--- a/android/helloworld/prog/doc/slides.pptx
+++ b/android/helloworld/prog/doc/slides.pptx
@@ -111,6 +111,11 @@
       </a:defRPr>
     </a:lvl9pPr>
   </p:defaultTextStyle>
+  <p:extLst>
+    <p:ext uri="{EFAFB233-063F-42B5-8137-9DF3F51BA10A}">
+      <p15:sldGuideLst xmlns:p15="http://schemas.microsoft.com/office/powerpoint/2012/main"/>
+    </p:ext>
+  </p:extLst>
 </p:presentation>
 </file>
 
@@ -196,7 +201,7 @@
           <a:p>
             <a:fld id="{94F210C9-F92D-4904-851C-CAEB2EE7A62E}" type="datetimeFigureOut">
               <a:rPr lang="en-US" smtClean="0"/>
-              <a:t>7/26/2015</a:t>
+              <a:t>8/6/2015</a:t>
             </a:fld>
             <a:endParaRPr lang="en-US"/>
           </a:p>
@@ -3622,7 +3627,11 @@
           <a:p>
             <a:r>
               <a:rPr lang="en-US" dirty="0" smtClean="0"/>
-              <a:t>Android – HelloWorld(</a:t>
+              <a:t>Android – </a:t>
+            </a:r>
+            <a:r>
+              <a:rPr lang="en-US" dirty="0" smtClean="0"/>
+              <a:t>HelloWorld (</a:t>
             </a:r>
             <a:r>
               <a:rPr lang="en-US" dirty="0" err="1" smtClean="0"/>
@@ -4209,9 +4218,69 @@
           </a:p>
         </p:txBody>
       </p:sp>
+      <p:sp>
+        <p:nvSpPr>
+          <p:cNvPr id="11" name="TextBox 10"/>
+          <p:cNvSpPr txBox="1"/>
+          <p:nvPr/>
+        </p:nvSpPr>
+        <p:spPr>
+          <a:xfrm>
+            <a:off x="8402723" y="254156"/>
+            <a:ext cx="3997235" cy="338554"/>
+          </a:xfrm>
+          <a:prstGeom prst="rect">
+            <a:avLst/>
+          </a:prstGeom>
+          <a:noFill/>
+        </p:spPr>
+        <p:txBody>
+          <a:bodyPr wrap="square" rtlCol="0">
+            <a:spAutoFit/>
+          </a:bodyPr>
+          <a:lstStyle/>
+          <a:p>
+            <a:r>
+              <a:rPr lang="en-US" sz="1600" dirty="0" err="1" smtClean="0"/>
+              <a:t>RelativeLayout.ALIGN_PARENT_BOTTOM</a:t>
+            </a:r>
+            <a:endParaRPr lang="en-US" sz="1600" dirty="0"/>
+          </a:p>
+        </p:txBody>
+      </p:sp>
+      <p:sp>
+        <p:nvSpPr>
+          <p:cNvPr id="12" name="TextBox 11"/>
+          <p:cNvSpPr txBox="1"/>
+          <p:nvPr/>
+        </p:nvSpPr>
+        <p:spPr>
+          <a:xfrm>
+            <a:off x="3613162" y="4620871"/>
+            <a:ext cx="3857625" cy="369332"/>
+          </a:xfrm>
+          <a:prstGeom prst="rect">
+            <a:avLst/>
+          </a:prstGeom>
+          <a:noFill/>
+        </p:spPr>
+        <p:txBody>
+          <a:bodyPr wrap="square" rtlCol="0">
+            <a:spAutoFit/>
+          </a:bodyPr>
+          <a:lstStyle/>
+          <a:p>
+            <a:r>
+              <a:rPr lang="en-US" dirty="0" err="1" smtClean="0"/>
+              <a:t>RelativeLayout.CENTER_IN_PARENT</a:t>
+            </a:r>
+            <a:endParaRPr lang="en-US" dirty="0"/>
+          </a:p>
+        </p:txBody>
+      </p:sp>
       <p:pic>
         <p:nvPicPr>
-          <p:cNvPr id="8" name="Picture 7"/>
+          <p:cNvPr id="2" name="Picture 1"/>
           <p:cNvPicPr>
             <a:picLocks noChangeAspect="1"/>
           </p:cNvPicPr>
@@ -4231,8 +4300,8 @@
         </p:blipFill>
         <p:spPr>
           <a:xfrm>
-            <a:off x="400594" y="961626"/>
-            <a:ext cx="3857625" cy="4916660"/>
+            <a:off x="659402" y="1027276"/>
+            <a:ext cx="2784838" cy="4950822"/>
           </a:xfrm>
           <a:prstGeom prst="rect">
             <a:avLst/>
@@ -4241,7 +4310,7 @@
       </p:pic>
       <p:pic>
         <p:nvPicPr>
-          <p:cNvPr id="9" name="Picture 8"/>
+          <p:cNvPr id="3" name="Picture 2"/>
           <p:cNvPicPr>
             <a:picLocks noChangeAspect="1"/>
           </p:cNvPicPr>
@@ -4261,8 +4330,8 @@
         </p:blipFill>
         <p:spPr>
           <a:xfrm>
-            <a:off x="4414367" y="4249783"/>
-            <a:ext cx="6409509" cy="2141196"/>
+            <a:off x="9035398" y="592710"/>
+            <a:ext cx="2731886" cy="4856684"/>
           </a:xfrm>
           <a:prstGeom prst="rect">
             <a:avLst/>
@@ -4271,7 +4340,7 @@
       </p:pic>
       <p:pic>
         <p:nvPicPr>
-          <p:cNvPr id="10" name="Picture 9"/>
+          <p:cNvPr id="13" name="Picture 12"/>
           <p:cNvPicPr>
             <a:picLocks noChangeAspect="1"/>
           </p:cNvPicPr>
@@ -4291,74 +4360,14 @@
         </p:blipFill>
         <p:spPr>
           <a:xfrm>
-            <a:off x="6966251" y="546127"/>
-            <a:ext cx="3857625" cy="3657600"/>
+            <a:off x="3613162" y="1446412"/>
+            <a:ext cx="5190308" cy="2919548"/>
           </a:xfrm>
           <a:prstGeom prst="rect">
             <a:avLst/>
           </a:prstGeom>
         </p:spPr>
       </p:pic>
-      <p:sp>
-        <p:nvSpPr>
-          <p:cNvPr id="11" name="TextBox 10"/>
-          <p:cNvSpPr txBox="1"/>
-          <p:nvPr/>
-        </p:nvSpPr>
-        <p:spPr>
-          <a:xfrm>
-            <a:off x="7090456" y="227585"/>
-            <a:ext cx="3997235" cy="338554"/>
-          </a:xfrm>
-          <a:prstGeom prst="rect">
-            <a:avLst/>
-          </a:prstGeom>
-          <a:noFill/>
-        </p:spPr>
-        <p:txBody>
-          <a:bodyPr wrap="square" rtlCol="0">
-            <a:spAutoFit/>
-          </a:bodyPr>
-          <a:lstStyle/>
-          <a:p>
-            <a:r>
-              <a:rPr lang="en-US" sz="1600" dirty="0" err="1" smtClean="0"/>
-              <a:t>RelativeLayout.ALIGN_PARENT_BOTTOM</a:t>
-            </a:r>
-            <a:endParaRPr lang="en-US" sz="1600" dirty="0"/>
-          </a:p>
-        </p:txBody>
-      </p:sp>
-      <p:sp>
-        <p:nvSpPr>
-          <p:cNvPr id="12" name="TextBox 11"/>
-          <p:cNvSpPr txBox="1"/>
-          <p:nvPr/>
-        </p:nvSpPr>
-        <p:spPr>
-          <a:xfrm>
-            <a:off x="400594" y="6043749"/>
-            <a:ext cx="3857625" cy="369332"/>
-          </a:xfrm>
-          <a:prstGeom prst="rect">
-            <a:avLst/>
-          </a:prstGeom>
-          <a:noFill/>
-        </p:spPr>
-        <p:txBody>
-          <a:bodyPr wrap="square" rtlCol="0">
-            <a:spAutoFit/>
-          </a:bodyPr>
-          <a:lstStyle/>
-          <a:p>
-            <a:r>
-              <a:rPr lang="en-US" dirty="0" err="1" smtClean="0"/>
-              <a:t>RelativeLayout.CENTER_IN_PARENT</a:t>
-            </a:r>
-            <a:endParaRPr lang="en-US" dirty="0"/>
-          </a:p>
-        </p:txBody>
-      </p:sp>
     </p:spTree>
     <p:extLst>
       <p:ext uri="{BB962C8B-B14F-4D97-AF65-F5344CB8AC3E}">
